--- a/Consumer Goods Ad-Hoc Requests.pptx
+++ b/Consumer Goods Ad-Hoc Requests.pptx
@@ -2635,7 +2635,7 @@
       <c:catAx>
         <c:axId val="1081744287"/>
         <c:scaling>
-          <c:orientation val="minMax"/>
+          <c:orientation val="maxMin"/>
         </c:scaling>
         <c:delete val="0"/>
         <c:axPos val="l"/>
@@ -2688,7 +2688,7 @@
           <c:orientation val="minMax"/>
         </c:scaling>
         <c:delete val="1"/>
-        <c:axPos val="b"/>
+        <c:axPos val="t"/>
         <c:majorGridlines>
           <c:spPr>
             <a:ln w="9525" cap="flat" cmpd="sng" algn="ctr">
